--- a/slides/inQueue.pptx
+++ b/slides/inQueue.pptx
@@ -274,7 +274,7 @@
           <a:p>
             <a:fld id="{B5898F52-2787-4BA2-BBBC-9395E9F86D50}" type="datetimeFigureOut">
               <a:rPr lang="en-US" smtClean="0"/>
-              <a:t>6/13/2021</a:t>
+              <a:t>3/7/2022</a:t>
             </a:fld>
             <a:endParaRPr lang="en-US"/>
           </a:p>
@@ -472,7 +472,7 @@
           <a:p>
             <a:fld id="{B5898F52-2787-4BA2-BBBC-9395E9F86D50}" type="datetimeFigureOut">
               <a:rPr lang="en-US" smtClean="0"/>
-              <a:t>6/13/2021</a:t>
+              <a:t>3/7/2022</a:t>
             </a:fld>
             <a:endParaRPr lang="en-US"/>
           </a:p>
@@ -680,7 +680,7 @@
           <a:p>
             <a:fld id="{B5898F52-2787-4BA2-BBBC-9395E9F86D50}" type="datetimeFigureOut">
               <a:rPr lang="en-US" smtClean="0"/>
-              <a:t>6/13/2021</a:t>
+              <a:t>3/7/2022</a:t>
             </a:fld>
             <a:endParaRPr lang="en-US"/>
           </a:p>
@@ -878,7 +878,7 @@
           <a:p>
             <a:fld id="{B5898F52-2787-4BA2-BBBC-9395E9F86D50}" type="datetimeFigureOut">
               <a:rPr lang="en-US" smtClean="0"/>
-              <a:t>6/13/2021</a:t>
+              <a:t>3/7/2022</a:t>
             </a:fld>
             <a:endParaRPr lang="en-US"/>
           </a:p>
@@ -1155,7 +1155,7 @@
           <a:p>
             <a:fld id="{B5898F52-2787-4BA2-BBBC-9395E9F86D50}" type="datetimeFigureOut">
               <a:rPr lang="en-US" smtClean="0"/>
-              <a:t>6/13/2021</a:t>
+              <a:t>3/7/2022</a:t>
             </a:fld>
             <a:endParaRPr lang="en-US"/>
           </a:p>
@@ -1420,7 +1420,7 @@
           <a:p>
             <a:fld id="{B5898F52-2787-4BA2-BBBC-9395E9F86D50}" type="datetimeFigureOut">
               <a:rPr lang="en-US" smtClean="0"/>
-              <a:t>6/13/2021</a:t>
+              <a:t>3/7/2022</a:t>
             </a:fld>
             <a:endParaRPr lang="en-US"/>
           </a:p>
@@ -1850,7 +1850,7 @@
           <a:p>
             <a:fld id="{B5898F52-2787-4BA2-BBBC-9395E9F86D50}" type="datetimeFigureOut">
               <a:rPr lang="en-US" smtClean="0"/>
-              <a:t>6/13/2021</a:t>
+              <a:t>3/7/2022</a:t>
             </a:fld>
             <a:endParaRPr lang="en-US"/>
           </a:p>
@@ -1991,7 +1991,7 @@
           <a:p>
             <a:fld id="{B5898F52-2787-4BA2-BBBC-9395E9F86D50}" type="datetimeFigureOut">
               <a:rPr lang="en-US" smtClean="0"/>
-              <a:t>6/13/2021</a:t>
+              <a:t>3/7/2022</a:t>
             </a:fld>
             <a:endParaRPr lang="en-US"/>
           </a:p>
@@ -2104,7 +2104,7 @@
           <a:p>
             <a:fld id="{B5898F52-2787-4BA2-BBBC-9395E9F86D50}" type="datetimeFigureOut">
               <a:rPr lang="en-US" smtClean="0"/>
-              <a:t>6/13/2021</a:t>
+              <a:t>3/7/2022</a:t>
             </a:fld>
             <a:endParaRPr lang="en-US"/>
           </a:p>
@@ -2415,7 +2415,7 @@
           <a:p>
             <a:fld id="{B5898F52-2787-4BA2-BBBC-9395E9F86D50}" type="datetimeFigureOut">
               <a:rPr lang="en-US" smtClean="0"/>
-              <a:t>6/13/2021</a:t>
+              <a:t>3/7/2022</a:t>
             </a:fld>
             <a:endParaRPr lang="en-US"/>
           </a:p>
@@ -2703,7 +2703,7 @@
           <a:p>
             <a:fld id="{B5898F52-2787-4BA2-BBBC-9395E9F86D50}" type="datetimeFigureOut">
               <a:rPr lang="en-US" smtClean="0"/>
-              <a:t>6/13/2021</a:t>
+              <a:t>3/7/2022</a:t>
             </a:fld>
             <a:endParaRPr lang="en-US"/>
           </a:p>
@@ -7653,7 +7653,7 @@
             <a:fld id="{B5898F52-2787-4BA2-BBBC-9395E9F86D50}" type="datetimeFigureOut">
               <a:rPr lang="en-US" smtClean="0"/>
               <a:pPr/>
-              <a:t>6/13/2021</a:t>
+              <a:t>3/7/2022</a:t>
             </a:fld>
             <a:endParaRPr lang="en-US" dirty="0"/>
           </a:p>
@@ -8242,15 +8242,40 @@
           <a:lstStyle/>
           <a:p>
             <a:r>
-              <a:rPr lang="it-IT">
+              <a:rPr lang="it-IT" dirty="0">
                 <a:latin typeface="Arial" panose="020B0604020202020204" pitchFamily="34" charset="0"/>
                 <a:cs typeface="Arial" panose="020B0604020202020204" pitchFamily="34" charset="0"/>
               </a:rPr>
-              <a:t>Prenota le attività vicine a te</a:t>
-            </a:r>
+              <a:t>Book events in </a:t>
+            </a:r>
+            <a:r>
+              <a:rPr lang="it-IT" dirty="0" err="1">
+                <a:latin typeface="Arial" panose="020B0604020202020204" pitchFamily="34" charset="0"/>
+                <a:cs typeface="Arial" panose="020B0604020202020204" pitchFamily="34" charset="0"/>
+              </a:rPr>
+              <a:t>your</a:t>
+            </a:r>
+            <a:r>
+              <a:rPr lang="it-IT" dirty="0">
+                <a:latin typeface="Arial" panose="020B0604020202020204" pitchFamily="34" charset="0"/>
+                <a:cs typeface="Arial" panose="020B0604020202020204" pitchFamily="34" charset="0"/>
+              </a:rPr>
+              <a:t> </a:t>
+            </a:r>
+            <a:r>
+              <a:rPr lang="it-IT" dirty="0" err="1">
+                <a:latin typeface="Arial" panose="020B0604020202020204" pitchFamily="34" charset="0"/>
+                <a:cs typeface="Arial" panose="020B0604020202020204" pitchFamily="34" charset="0"/>
+              </a:rPr>
+              <a:t>surroundings</a:t>
+            </a:r>
+            <a:endParaRPr lang="it-IT" dirty="0">
+              <a:latin typeface="Arial" panose="020B0604020202020204" pitchFamily="34" charset="0"/>
+              <a:cs typeface="Arial" panose="020B0604020202020204" pitchFamily="34" charset="0"/>
+            </a:endParaRPr>
           </a:p>
           <a:p>
-            <a:endParaRPr lang="it-IT">
+            <a:endParaRPr lang="it-IT" dirty="0">
               <a:latin typeface="Arial" panose="020B0604020202020204" pitchFamily="34" charset="0"/>
               <a:cs typeface="Arial" panose="020B0604020202020204" pitchFamily="34" charset="0"/>
             </a:endParaRPr>
@@ -26843,8 +26868,36 @@
               <a:buNone/>
             </a:pPr>
             <a:r>
+              <a:rPr lang="it-IT" dirty="0" err="1"/>
+              <a:t>Because</a:t>
+            </a:r>
+            <a:r>
               <a:rPr lang="it-IT" dirty="0"/>
-              <a:t>La semplicità di utilizzo del progetto ha fatto ricadere sulla scelta di utilizzare </a:t>
+              <a:t> of the </a:t>
+            </a:r>
+            <a:r>
+              <a:rPr lang="it-IT" dirty="0" err="1"/>
+              <a:t>simplicity</a:t>
+            </a:r>
+            <a:r>
+              <a:rPr lang="it-IT" dirty="0"/>
+              <a:t> of the project, </a:t>
+            </a:r>
+            <a:r>
+              <a:rPr lang="it-IT" dirty="0" err="1"/>
+              <a:t>we</a:t>
+            </a:r>
+            <a:r>
+              <a:rPr lang="it-IT" dirty="0"/>
+              <a:t> </a:t>
+            </a:r>
+            <a:r>
+              <a:rPr lang="it-IT" dirty="0" err="1"/>
+              <a:t>decided</a:t>
+            </a:r>
+            <a:r>
+              <a:rPr lang="it-IT" dirty="0"/>
+              <a:t> to use </a:t>
             </a:r>
             <a:r>
               <a:rPr lang="it-IT" b="1" dirty="0" err="1"/>
@@ -26856,19 +26909,39 @@
             </a:r>
             <a:r>
               <a:rPr lang="it-IT" dirty="0"/>
-              <a:t> piuttosto che </a:t>
+              <a:t> </a:t>
+            </a:r>
+            <a:r>
+              <a:rPr lang="it-IT" dirty="0" err="1"/>
+              <a:t>instead</a:t>
+            </a:r>
+            <a:r>
+              <a:rPr lang="it-IT" dirty="0"/>
+              <a:t> of a </a:t>
+            </a:r>
+            <a:r>
+              <a:rPr lang="it-IT" dirty="0" err="1"/>
+              <a:t>local</a:t>
+            </a:r>
+            <a:r>
+              <a:rPr lang="it-IT" dirty="0"/>
+              <a:t> </a:t>
+            </a:r>
+            <a:r>
+              <a:rPr lang="it-IT" dirty="0" err="1"/>
+              <a:t>instance</a:t>
+            </a:r>
+            <a:r>
+              <a:rPr lang="it-IT" dirty="0"/>
+              <a:t> of </a:t>
             </a:r>
             <a:r>
               <a:rPr lang="it-IT" b="1" dirty="0" err="1"/>
               <a:t>MongoDB</a:t>
             </a:r>
             <a:r>
-              <a:rPr lang="it-IT" b="1" dirty="0"/>
-              <a:t> </a:t>
-            </a:r>
-            <a:r>
               <a:rPr lang="it-IT" dirty="0"/>
-              <a:t> locale. Il servizio in </a:t>
+              <a:t>. The </a:t>
             </a:r>
             <a:r>
               <a:rPr lang="it-IT" b="1" dirty="0"/>
@@ -26876,7 +26949,15 @@
             </a:r>
             <a:r>
               <a:rPr lang="it-IT" dirty="0"/>
-              <a:t> si presenta in modo chiaro ed intuitivo.</a:t>
+              <a:t> service </a:t>
+            </a:r>
+            <a:r>
+              <a:rPr lang="it-IT" dirty="0" err="1"/>
+              <a:t>is</a:t>
+            </a:r>
+            <a:r>
+              <a:rPr lang="it-IT" dirty="0"/>
+              <a:t> easy and intuitive.</a:t>
             </a:r>
           </a:p>
           <a:p>
@@ -26892,8 +26973,52 @@
               <a:t> </a:t>
             </a:r>
             <a:r>
+              <a:rPr lang="it-IT" dirty="0" err="1"/>
+              <a:t>is</a:t>
+            </a:r>
+            <a:r>
               <a:rPr lang="it-IT" dirty="0"/>
-              <a:t>è una libreria JavaScript open-source che fornisce diversi strumenti per la gestione di mappe. </a:t>
+              <a:t> a JavaScript open-source library </a:t>
+            </a:r>
+            <a:r>
+              <a:rPr lang="it-IT" dirty="0" err="1"/>
+              <a:t>which</a:t>
+            </a:r>
+            <a:r>
+              <a:rPr lang="it-IT" dirty="0"/>
+              <a:t> </a:t>
+            </a:r>
+            <a:r>
+              <a:rPr lang="it-IT" dirty="0" err="1"/>
+              <a:t>provides</a:t>
+            </a:r>
+            <a:r>
+              <a:rPr lang="it-IT" dirty="0"/>
+              <a:t> </a:t>
+            </a:r>
+            <a:r>
+              <a:rPr lang="it-IT" dirty="0" err="1"/>
+              <a:t>different</a:t>
+            </a:r>
+            <a:r>
+              <a:rPr lang="it-IT" dirty="0"/>
+              <a:t> tools to </a:t>
+            </a:r>
+            <a:r>
+              <a:rPr lang="it-IT" dirty="0" err="1"/>
+              <a:t>manage</a:t>
+            </a:r>
+            <a:r>
+              <a:rPr lang="it-IT" dirty="0"/>
+              <a:t> </a:t>
+            </a:r>
+            <a:r>
+              <a:rPr lang="it-IT" dirty="0" err="1"/>
+              <a:t>maps</a:t>
+            </a:r>
+            <a:r>
+              <a:rPr lang="it-IT" dirty="0"/>
+              <a:t>. </a:t>
             </a:r>
           </a:p>
           <a:p>
@@ -26902,15 +27027,31 @@
             </a:pPr>
             <a:r>
               <a:rPr lang="it-IT" dirty="0"/>
-              <a:t>I promemoria forniti a seguito di una prenotazione sono dei pdf creati in </a:t>
+              <a:t>The </a:t>
             </a:r>
             <a:r>
               <a:rPr lang="it-IT" dirty="0" err="1"/>
-              <a:t>python</a:t>
+              <a:t>provided</a:t>
             </a:r>
             <a:r>
               <a:rPr lang="it-IT" dirty="0"/>
-              <a:t> mediante </a:t>
+              <a:t> </a:t>
+            </a:r>
+            <a:r>
+              <a:rPr lang="it-IT" dirty="0" err="1"/>
+              <a:t>memos</a:t>
+            </a:r>
+            <a:r>
+              <a:rPr lang="it-IT" dirty="0"/>
+              <a:t> are </a:t>
+            </a:r>
+            <a:r>
+              <a:rPr lang="it-IT" dirty="0" err="1"/>
+              <a:t>PDFs</a:t>
+            </a:r>
+            <a:r>
+              <a:rPr lang="it-IT" dirty="0"/>
+              <a:t>, create in Python via </a:t>
             </a:r>
             <a:r>
               <a:rPr lang="it-IT" b="1" dirty="0" err="1"/>
@@ -26918,11 +27059,27 @@
             </a:r>
             <a:r>
               <a:rPr lang="it-IT" dirty="0"/>
-              <a:t>, a complemento dei quali viene aggiunto un </a:t>
+              <a:t>, with a </a:t>
             </a:r>
             <a:r>
               <a:rPr lang="it-IT" b="1" dirty="0" err="1"/>
               <a:t>qrcode</a:t>
+            </a:r>
+            <a:r>
+              <a:rPr lang="it-IT" dirty="0"/>
+              <a:t> </a:t>
+            </a:r>
+            <a:r>
+              <a:rPr lang="it-IT" dirty="0" err="1"/>
+              <a:t>appended</a:t>
+            </a:r>
+            <a:r>
+              <a:rPr lang="it-IT" dirty="0"/>
+              <a:t> to </a:t>
+            </a:r>
+            <a:r>
+              <a:rPr lang="it-IT" dirty="0" err="1"/>
+              <a:t>them</a:t>
             </a:r>
             <a:r>
               <a:rPr lang="it-IT" dirty="0"/>
@@ -27084,45 +27241,122 @@
             </a:pPr>
             <a:r>
               <a:rPr lang="it-IT" dirty="0"/>
-              <a:t>Il sistema si presenta in fase embrionale. Diversi sono le</a:t>
+              <a:t>The system </a:t>
+            </a:r>
+            <a:r>
+              <a:rPr lang="it-IT" dirty="0" err="1"/>
+              <a:t>is</a:t>
+            </a:r>
+            <a:r>
+              <a:rPr lang="it-IT" dirty="0"/>
+              <a:t> </a:t>
+            </a:r>
+            <a:r>
+              <a:rPr lang="it-IT" dirty="0" err="1"/>
+              <a:t>still</a:t>
+            </a:r>
+            <a:r>
+              <a:rPr lang="it-IT" dirty="0"/>
+              <a:t> a work-in-progress. </a:t>
+            </a:r>
+            <a:r>
+              <a:rPr lang="it-IT" dirty="0" err="1"/>
+              <a:t>Many</a:t>
+            </a:r>
+            <a:r>
+              <a:rPr lang="it-IT" dirty="0"/>
+              <a:t> </a:t>
             </a:r>
             <a:r>
               <a:rPr lang="it-IT" b="1" dirty="0"/>
-              <a:t> feature </a:t>
+              <a:t>features</a:t>
             </a:r>
             <a:r>
               <a:rPr lang="it-IT" dirty="0"/>
-              <a:t>che potrebbero essere incluse:</a:t>
+              <a:t> </a:t>
+            </a:r>
+            <a:r>
+              <a:rPr lang="it-IT" dirty="0" err="1"/>
+              <a:t>could</a:t>
+            </a:r>
+            <a:r>
+              <a:rPr lang="it-IT" dirty="0"/>
+              <a:t> be </a:t>
+            </a:r>
+            <a:r>
+              <a:rPr lang="it-IT" dirty="0" err="1"/>
+              <a:t>included</a:t>
+            </a:r>
+            <a:r>
+              <a:rPr lang="it-IT" dirty="0"/>
+              <a:t>, </a:t>
+            </a:r>
+            <a:r>
+              <a:rPr lang="it-IT" dirty="0" err="1"/>
+              <a:t>such</a:t>
+            </a:r>
+            <a:r>
+              <a:rPr lang="it-IT" dirty="0"/>
+              <a:t> </a:t>
+            </a:r>
+            <a:r>
+              <a:rPr lang="it-IT" dirty="0" err="1"/>
+              <a:t>as</a:t>
+            </a:r>
+            <a:r>
+              <a:rPr lang="it-IT" dirty="0"/>
+              <a:t>:</a:t>
             </a:r>
           </a:p>
           <a:p>
             <a:r>
               <a:rPr lang="it-IT" dirty="0"/>
-              <a:t>Gestione dei pagamenti, per poter assicurare la prenotazione</a:t>
+              <a:t>Payment management, to book an event</a:t>
             </a:r>
           </a:p>
           <a:p>
             <a:r>
               <a:rPr lang="it-IT" dirty="0"/>
-              <a:t>Logica di abbonamento al servizio</a:t>
-            </a:r>
+              <a:t>Service </a:t>
+            </a:r>
+            <a:r>
+              <a:rPr lang="it-IT" dirty="0" err="1"/>
+              <a:t>subscription</a:t>
+            </a:r>
+            <a:r>
+              <a:rPr lang="it-IT" dirty="0"/>
+              <a:t> </a:t>
+            </a:r>
+            <a:r>
+              <a:rPr lang="it-IT" dirty="0" err="1"/>
+              <a:t>logic</a:t>
+            </a:r>
+            <a:endParaRPr lang="it-IT" dirty="0"/>
           </a:p>
           <a:p>
             <a:r>
               <a:rPr lang="it-IT" dirty="0"/>
-              <a:t>Account per i clienti</a:t>
+              <a:t>Clients’ account</a:t>
             </a:r>
           </a:p>
           <a:p>
             <a:r>
+              <a:rPr lang="it-IT" dirty="0" err="1"/>
+              <a:t>Textual</a:t>
+            </a:r>
+            <a:r>
               <a:rPr lang="it-IT" dirty="0"/>
-              <a:t>Recensioni testuali</a:t>
+              <a:t> reviews</a:t>
             </a:r>
           </a:p>
           <a:p>
             <a:r>
+              <a:rPr lang="it-IT" dirty="0" err="1"/>
+              <a:t>Profanity</a:t>
+            </a:r>
+            <a:r>
               <a:rPr lang="it-IT" dirty="0"/>
-              <a:t>Filtering di linguaggio scurrile</a:t>
+              <a:t> filtering</a:t>
             </a:r>
           </a:p>
           <a:p>
@@ -27246,18 +27480,38 @@
               <a:buNone/>
             </a:pPr>
             <a:r>
+              <a:rPr lang="it-IT" sz="3600" dirty="0" err="1"/>
+              <a:t>Visit</a:t>
+            </a:r>
+            <a:r>
               <a:rPr lang="it-IT" sz="3600" dirty="0"/>
-              <a:t>Visita quindi </a:t>
-            </a:r>
-            <a:r>
-              <a:rPr lang="it-IT" sz="3600" dirty="0">
+              <a:t> </a:t>
+            </a:r>
+            <a:r>
+              <a:rPr lang="it-IT" sz="3600" dirty="0" err="1">
                 <a:hlinkClick r:id="rId2"/>
               </a:rPr>
               <a:t>inQueue</a:t>
             </a:r>
             <a:r>
               <a:rPr lang="it-IT" sz="3600" dirty="0"/>
-              <a:t> e… mettiti in fila!</a:t>
+              <a:t> and… </a:t>
+            </a:r>
+            <a:r>
+              <a:rPr lang="it-IT" sz="3600" dirty="0" err="1"/>
+              <a:t>get</a:t>
+            </a:r>
+            <a:r>
+              <a:rPr lang="it-IT" sz="3600" dirty="0"/>
+              <a:t> in </a:t>
+            </a:r>
+            <a:r>
+              <a:rPr lang="it-IT" sz="3600" dirty="0" err="1"/>
+              <a:t>queue</a:t>
+            </a:r>
+            <a:r>
+              <a:rPr lang="it-IT" sz="3600" dirty="0"/>
+              <a:t>!</a:t>
             </a:r>
           </a:p>
           <a:p>
@@ -27371,7 +27625,7 @@
         </p:nvSpPr>
         <p:spPr>
           <a:xfrm>
-            <a:off x="7387224" y="5934670"/>
+            <a:off x="6096000" y="5729657"/>
             <a:ext cx="4927600" cy="923330"/>
           </a:xfrm>
           <a:prstGeom prst="rect">
@@ -27385,6 +27639,19 @@
           </a:bodyPr>
           <a:lstStyle/>
           <a:p>
+            <a:pPr algn="r"/>
+            <a:r>
+              <a:rPr lang="it-IT" dirty="0"/>
+              <a:t>Mattia </a:t>
+            </a:r>
+            <a:r>
+              <a:rPr lang="it-IT" b="1" dirty="0"/>
+              <a:t>Ripoli</a:t>
+            </a:r>
+            <a:endParaRPr lang="it-IT" dirty="0"/>
+          </a:p>
+          <a:p>
+            <a:pPr algn="r"/>
             <a:r>
               <a:rPr lang="it-IT" dirty="0"/>
               <a:t>Francesco </a:t>
@@ -27393,26 +27660,10 @@
               <a:rPr lang="it-IT" b="1" dirty="0" err="1"/>
               <a:t>Pollasto</a:t>
             </a:r>
-            <a:r>
-              <a:rPr lang="it-IT" dirty="0"/>
-              <a:t>    0124001917</a:t>
-            </a:r>
+            <a:endParaRPr lang="it-IT" dirty="0"/>
           </a:p>
           <a:p>
-            <a:r>
-              <a:rPr lang="it-IT" dirty="0"/>
-              <a:t>Mattia </a:t>
-            </a:r>
-            <a:r>
-              <a:rPr lang="it-IT" b="1" dirty="0"/>
-              <a:t>Ripoli</a:t>
-            </a:r>
-            <a:r>
-              <a:rPr lang="it-IT" dirty="0"/>
-              <a:t>               0124001949</a:t>
-            </a:r>
-          </a:p>
-          <a:p>
+            <a:pPr algn="r"/>
             <a:r>
               <a:rPr lang="it-IT" dirty="0"/>
               <a:t>Antonio </a:t>
@@ -27421,10 +27672,7 @@
               <a:rPr lang="it-IT" b="1" dirty="0"/>
               <a:t>Morelli</a:t>
             </a:r>
-            <a:r>
-              <a:rPr lang="it-IT" dirty="0"/>
-              <a:t>         0124001852</a:t>
-            </a:r>
+            <a:endParaRPr lang="it-IT" dirty="0"/>
           </a:p>
         </p:txBody>
       </p:sp>
@@ -27513,96 +27761,28 @@
               <a:buNone/>
             </a:pPr>
             <a:r>
+              <a:rPr lang="en-US" dirty="0" err="1"/>
+              <a:t>inQueue</a:t>
+            </a:r>
+            <a:r>
               <a:rPr lang="en-US" dirty="0"/>
-              <a:t>inQueue è una </a:t>
-            </a:r>
-            <a:r>
-              <a:rPr lang="en-US" dirty="0" err="1"/>
-              <a:t>piccola</a:t>
+              <a:t> is a small </a:t>
+            </a:r>
+            <a:r>
+              <a:rPr lang="en-US" b="1" dirty="0"/>
+              <a:t>web application</a:t>
             </a:r>
             <a:r>
               <a:rPr lang="en-US" dirty="0"/>
-              <a:t> </a:t>
-            </a:r>
-            <a:r>
-              <a:rPr lang="en-US" b="1" dirty="0" err="1"/>
-              <a:t>applicazione</a:t>
+              <a:t> which aims to deliver an easy and fast service for booking </a:t>
             </a:r>
             <a:r>
               <a:rPr lang="en-US" b="1" dirty="0"/>
-              <a:t> web </a:t>
-            </a:r>
-            <a:r>
-              <a:rPr lang="en-US" dirty="0" err="1"/>
-              <a:t>che</a:t>
+              <a:t>events</a:t>
             </a:r>
             <a:r>
               <a:rPr lang="en-US" dirty="0"/>
-              <a:t> </a:t>
-            </a:r>
-            <a:r>
-              <a:rPr lang="en-US" dirty="0" err="1"/>
-              <a:t>mira</a:t>
-            </a:r>
-            <a:r>
-              <a:rPr lang="en-US" dirty="0"/>
-              <a:t> a </a:t>
-            </a:r>
-            <a:r>
-              <a:rPr lang="en-US" dirty="0" err="1"/>
-              <a:t>fornire</a:t>
-            </a:r>
-            <a:r>
-              <a:rPr lang="en-US" dirty="0"/>
-              <a:t> un </a:t>
-            </a:r>
-            <a:r>
-              <a:rPr lang="en-US" dirty="0" err="1"/>
-              <a:t>servizio</a:t>
-            </a:r>
-            <a:r>
-              <a:rPr lang="en-US" dirty="0"/>
-              <a:t> semplice e veloce per la </a:t>
-            </a:r>
-            <a:r>
-              <a:rPr lang="en-US" dirty="0" err="1"/>
-              <a:t>prenotazione</a:t>
-            </a:r>
-            <a:r>
-              <a:rPr lang="en-US" dirty="0"/>
-              <a:t> di </a:t>
-            </a:r>
-            <a:r>
-              <a:rPr lang="en-US" b="1" dirty="0" err="1"/>
-              <a:t>servizi</a:t>
-            </a:r>
-            <a:r>
-              <a:rPr lang="en-US" b="1" dirty="0"/>
-              <a:t> </a:t>
-            </a:r>
-            <a:r>
-              <a:rPr lang="en-US" dirty="0" err="1"/>
-              <a:t>nelle</a:t>
-            </a:r>
-            <a:r>
-              <a:rPr lang="en-US" dirty="0"/>
-              <a:t> </a:t>
-            </a:r>
-            <a:r>
-              <a:rPr lang="en-US" dirty="0" err="1"/>
-              <a:t>proprie</a:t>
-            </a:r>
-            <a:r>
-              <a:rPr lang="en-US" dirty="0"/>
-              <a:t> </a:t>
-            </a:r>
-            <a:r>
-              <a:rPr lang="en-US" dirty="0" err="1"/>
-              <a:t>vicinanze</a:t>
-            </a:r>
-            <a:r>
-              <a:rPr lang="en-US" dirty="0"/>
-              <a:t>.</a:t>
+              <a:t> in your surroundings.</a:t>
             </a:r>
           </a:p>
           <a:p>
@@ -27757,14 +27937,17 @@
           <a:lstStyle/>
           <a:p>
             <a:r>
-              <a:rPr lang="it-IT">
+              <a:rPr lang="it-IT" dirty="0" err="1">
                 <a:latin typeface="Arial Black" panose="020B0A04020102020204" pitchFamily="34" charset="0"/>
               </a:rPr>
-              <a:t>inQueue – Le attività</a:t>
-            </a:r>
-            <a:endParaRPr lang="it-IT" dirty="0">
-              <a:latin typeface="Arial Black" panose="020B0A04020102020204" pitchFamily="34" charset="0"/>
-            </a:endParaRPr>
+              <a:t>inQueue</a:t>
+            </a:r>
+            <a:r>
+              <a:rPr lang="it-IT" dirty="0">
+                <a:latin typeface="Arial Black" panose="020B0A04020102020204" pitchFamily="34" charset="0"/>
+              </a:rPr>
+              <a:t> – The businesses</a:t>
+            </a:r>
           </a:p>
         </p:txBody>
       </p:sp>
@@ -27793,16 +27976,40 @@
               <a:buNone/>
             </a:pPr>
             <a:r>
+              <a:rPr lang="it-IT" dirty="0" err="1"/>
+              <a:t>As</a:t>
+            </a:r>
+            <a:r>
               <a:rPr lang="it-IT" dirty="0"/>
-              <a:t>Al momento, le tipologie di </a:t>
+              <a:t> of </a:t>
+            </a:r>
+            <a:r>
+              <a:rPr lang="it-IT" dirty="0" err="1"/>
+              <a:t>now</a:t>
+            </a:r>
+            <a:r>
+              <a:rPr lang="it-IT" dirty="0"/>
+              <a:t>, the </a:t>
+            </a:r>
+            <a:r>
+              <a:rPr lang="it-IT" dirty="0" err="1"/>
+              <a:t>supported</a:t>
+            </a:r>
+            <a:r>
+              <a:rPr lang="it-IT" dirty="0"/>
+              <a:t> </a:t>
+            </a:r>
+            <a:r>
+              <a:rPr lang="it-IT" b="1" dirty="0" err="1"/>
+              <a:t>bussinesses</a:t>
             </a:r>
             <a:r>
               <a:rPr lang="it-IT" b="1" dirty="0"/>
-              <a:t>attività</a:t>
+              <a:t> </a:t>
             </a:r>
             <a:r>
               <a:rPr lang="it-IT" dirty="0"/>
-              <a:t> supportate sono le seguenti:</a:t>
+              <a:t>are:</a:t>
             </a:r>
           </a:p>
           <a:p>
@@ -27901,14 +28108,17 @@
           <a:lstStyle/>
           <a:p>
             <a:r>
-              <a:rPr lang="it-IT">
+              <a:rPr lang="it-IT" dirty="0" err="1">
                 <a:latin typeface="Arial Black" panose="020B0A04020102020204" pitchFamily="34" charset="0"/>
               </a:rPr>
-              <a:t>inQueue – Le attività</a:t>
-            </a:r>
-            <a:endParaRPr lang="it-IT" dirty="0">
-              <a:latin typeface="Arial Black" panose="020B0A04020102020204" pitchFamily="34" charset="0"/>
-            </a:endParaRPr>
+              <a:t>inQueue</a:t>
+            </a:r>
+            <a:r>
+              <a:rPr lang="it-IT" dirty="0">
+                <a:latin typeface="Arial Black" panose="020B0A04020102020204" pitchFamily="34" charset="0"/>
+              </a:rPr>
+              <a:t> – The businesses</a:t>
+            </a:r>
           </a:p>
         </p:txBody>
       </p:sp>
@@ -27942,24 +28152,120 @@
               <a:buNone/>
             </a:pPr>
             <a:r>
+              <a:rPr lang="it-IT" dirty="0" err="1"/>
+              <a:t>Each</a:t>
+            </a:r>
+            <a:r>
               <a:rPr lang="it-IT" dirty="0"/>
-              <a:t>Ogni attività definisce la grandezza degli </a:t>
+              <a:t> business </a:t>
+            </a:r>
+            <a:r>
+              <a:rPr lang="it-IT" dirty="0" err="1"/>
+              <a:t>defines</a:t>
+            </a:r>
+            <a:r>
+              <a:rPr lang="it-IT" dirty="0"/>
+              <a:t> the </a:t>
+            </a:r>
+            <a:r>
+              <a:rPr lang="it-IT" dirty="0" err="1"/>
+              <a:t>kind</a:t>
+            </a:r>
+            <a:r>
+              <a:rPr lang="it-IT" dirty="0"/>
+              <a:t> of service, </a:t>
+            </a:r>
+            <a:r>
+              <a:rPr lang="it-IT" dirty="0" err="1"/>
+              <a:t>as</a:t>
+            </a:r>
+            <a:r>
+              <a:rPr lang="it-IT" dirty="0"/>
+              <a:t> </a:t>
+            </a:r>
+            <a:r>
+              <a:rPr lang="it-IT" dirty="0" err="1"/>
+              <a:t>well</a:t>
+            </a:r>
+            <a:r>
+              <a:rPr lang="it-IT" dirty="0"/>
+              <a:t> </a:t>
+            </a:r>
+            <a:r>
+              <a:rPr lang="it-IT" dirty="0" err="1"/>
+              <a:t>as</a:t>
+            </a:r>
+            <a:r>
+              <a:rPr lang="it-IT" dirty="0"/>
+              <a:t> the </a:t>
+            </a:r>
+            <a:r>
+              <a:rPr lang="it-IT" dirty="0" err="1"/>
+              <a:t>length</a:t>
+            </a:r>
+            <a:r>
+              <a:rPr lang="it-IT" dirty="0"/>
+              <a:t> of the </a:t>
             </a:r>
             <a:r>
               <a:rPr lang="it-IT" b="1" dirty="0"/>
-              <a:t>slot </a:t>
+              <a:t>time slots</a:t>
             </a:r>
             <a:r>
               <a:rPr lang="it-IT" dirty="0"/>
-              <a:t>di servizi offerti, nonché la tipologia di servizio. Tramite un </a:t>
+              <a:t> for </a:t>
+            </a:r>
+            <a:r>
+              <a:rPr lang="it-IT" dirty="0" err="1"/>
+              <a:t>each</a:t>
+            </a:r>
+            <a:r>
+              <a:rPr lang="it-IT" dirty="0"/>
+              <a:t> </a:t>
+            </a:r>
+            <a:r>
+              <a:rPr lang="it-IT" dirty="0" err="1"/>
+              <a:t>offered</a:t>
+            </a:r>
+            <a:r>
+              <a:rPr lang="it-IT" dirty="0"/>
+              <a:t> service. Via a</a:t>
             </a:r>
             <a:r>
               <a:rPr lang="it-IT" b="1" dirty="0"/>
-              <a:t>calendario</a:t>
+              <a:t> </a:t>
+            </a:r>
+            <a:r>
+              <a:rPr lang="it-IT" b="1" dirty="0" err="1"/>
+              <a:t>calendar</a:t>
             </a:r>
             <a:r>
               <a:rPr lang="it-IT" dirty="0"/>
-              <a:t>, può quindi tenere traccia delle prenotazioni ricevute.</a:t>
+              <a:t>, </a:t>
+            </a:r>
+            <a:r>
+              <a:rPr lang="it-IT" dirty="0" err="1"/>
+              <a:t>it</a:t>
+            </a:r>
+            <a:r>
+              <a:rPr lang="it-IT" dirty="0"/>
+              <a:t> can </a:t>
+            </a:r>
+            <a:r>
+              <a:rPr lang="it-IT" dirty="0" err="1"/>
+              <a:t>keep</a:t>
+            </a:r>
+            <a:r>
+              <a:rPr lang="it-IT" dirty="0"/>
+              <a:t> track of the bookings </a:t>
+            </a:r>
+            <a:r>
+              <a:rPr lang="it-IT" dirty="0" err="1"/>
+              <a:t>received</a:t>
+            </a:r>
+            <a:r>
+              <a:rPr lang="it-IT" dirty="0"/>
+              <a:t>.</a:t>
             </a:r>
             <a:endParaRPr lang="it-IT" b="1" dirty="0"/>
           </a:p>
@@ -28072,7 +28378,7 @@
               <a:rPr lang="it-IT" dirty="0">
                 <a:latin typeface="Arial Black" panose="020B0A04020102020204" pitchFamily="34" charset="0"/>
               </a:rPr>
-              <a:t>inQueue – Gli utenti</a:t>
+              <a:t>inQueue – The users</a:t>
             </a:r>
           </a:p>
         </p:txBody>
@@ -28103,20 +28409,44 @@
           <a:bodyPr/>
           <a:lstStyle/>
           <a:p>
-            <a:pPr marL="0" indent="0">
+            <a:pPr marL="0" indent="0" algn="just">
               <a:buNone/>
             </a:pPr>
             <a:r>
               <a:rPr lang="it-IT" dirty="0"/>
-              <a:t>Gli </a:t>
+              <a:t>The </a:t>
             </a:r>
             <a:r>
               <a:rPr lang="it-IT" b="1" dirty="0"/>
-              <a:t>utenti </a:t>
+              <a:t>users </a:t>
             </a:r>
             <a:r>
               <a:rPr lang="it-IT" dirty="0"/>
-              <a:t>visualizzano una lista d’attività presenti nella città desiderata. </a:t>
+              <a:t>can </a:t>
+            </a:r>
+            <a:r>
+              <a:rPr lang="it-IT" dirty="0" err="1"/>
+              <a:t>view</a:t>
+            </a:r>
+            <a:r>
+              <a:rPr lang="it-IT" dirty="0"/>
+              <a:t> a list of businesses </a:t>
+            </a:r>
+            <a:r>
+              <a:rPr lang="it-IT" dirty="0" err="1"/>
+              <a:t>which</a:t>
+            </a:r>
+            <a:r>
+              <a:rPr lang="it-IT" dirty="0"/>
+              <a:t> are in the </a:t>
+            </a:r>
+            <a:r>
+              <a:rPr lang="it-IT" dirty="0" err="1"/>
+              <a:t>selected</a:t>
+            </a:r>
+            <a:r>
+              <a:rPr lang="it-IT" dirty="0"/>
+              <a:t> city. </a:t>
             </a:r>
           </a:p>
           <a:p>
@@ -28130,8 +28460,76 @@
               <a:buNone/>
             </a:pPr>
             <a:r>
+              <a:rPr lang="it-IT" dirty="0" err="1"/>
+              <a:t>When</a:t>
+            </a:r>
+            <a:r>
               <a:rPr lang="it-IT" dirty="0"/>
-              <a:t>Effettuata una prenotazione, ricevono un promemoria, via mail, che funge da conferma di prenotazione.</a:t>
+              <a:t> </a:t>
+            </a:r>
+            <a:r>
+              <a:rPr lang="it-IT" dirty="0" err="1"/>
+              <a:t>something</a:t>
+            </a:r>
+            <a:r>
+              <a:rPr lang="it-IT" dirty="0"/>
+              <a:t> </a:t>
+            </a:r>
+            <a:r>
+              <a:rPr lang="it-IT" dirty="0" err="1"/>
+              <a:t>is</a:t>
+            </a:r>
+            <a:r>
+              <a:rPr lang="it-IT" dirty="0"/>
+              <a:t> </a:t>
+            </a:r>
+            <a:r>
+              <a:rPr lang="it-IT" dirty="0" err="1"/>
+              <a:t>booked</a:t>
+            </a:r>
+            <a:r>
+              <a:rPr lang="it-IT" dirty="0"/>
+              <a:t>, </a:t>
+            </a:r>
+            <a:r>
+              <a:rPr lang="it-IT" dirty="0" err="1"/>
+              <a:t>they</a:t>
+            </a:r>
+            <a:r>
+              <a:rPr lang="it-IT" dirty="0"/>
+              <a:t> </a:t>
+            </a:r>
+            <a:r>
+              <a:rPr lang="it-IT" dirty="0" err="1"/>
+              <a:t>receive</a:t>
+            </a:r>
+            <a:r>
+              <a:rPr lang="it-IT" dirty="0"/>
+              <a:t> a memo, via email, </a:t>
+            </a:r>
+            <a:r>
+              <a:rPr lang="it-IT" dirty="0" err="1"/>
+              <a:t>which</a:t>
+            </a:r>
+            <a:r>
+              <a:rPr lang="it-IT" dirty="0"/>
+              <a:t> works </a:t>
+            </a:r>
+            <a:r>
+              <a:rPr lang="it-IT" dirty="0" err="1"/>
+              <a:t>as</a:t>
+            </a:r>
+            <a:r>
+              <a:rPr lang="it-IT" dirty="0"/>
+              <a:t> a booking </a:t>
+            </a:r>
+            <a:r>
+              <a:rPr lang="it-IT" dirty="0" err="1"/>
+              <a:t>confirmation</a:t>
+            </a:r>
+            <a:r>
+              <a:rPr lang="it-IT" dirty="0"/>
+              <a:t>.</a:t>
             </a:r>
           </a:p>
         </p:txBody>
@@ -28227,7 +28625,7 @@
               <a:rPr lang="it-IT" dirty="0">
                 <a:latin typeface="Arial Black" panose="020B0A04020102020204" pitchFamily="34" charset="0"/>
               </a:rPr>
-              <a:t>inQueue – Gli utenti</a:t>
+              <a:t>inQueue – The users</a:t>
             </a:r>
           </a:p>
         </p:txBody>
@@ -28263,7 +28661,23 @@
             </a:pPr>
             <a:r>
               <a:rPr lang="it-IT" dirty="0"/>
-              <a:t>L’utente riceve ancora via mail un </a:t>
+              <a:t>The user </a:t>
+            </a:r>
+            <a:r>
+              <a:rPr lang="it-IT" dirty="0" err="1"/>
+              <a:t>receives</a:t>
+            </a:r>
+            <a:r>
+              <a:rPr lang="it-IT" dirty="0"/>
+              <a:t>, </a:t>
+            </a:r>
+            <a:r>
+              <a:rPr lang="it-IT" dirty="0" err="1"/>
+              <a:t>again</a:t>
+            </a:r>
+            <a:r>
+              <a:rPr lang="it-IT" dirty="0"/>
+              <a:t> by email, a </a:t>
             </a:r>
             <a:r>
               <a:rPr lang="it-IT" b="1" dirty="0"/>
@@ -28271,7 +28685,71 @@
             </a:r>
             <a:r>
               <a:rPr lang="it-IT" dirty="0"/>
-              <a:t>ad una pagina che permette la valutazione del servizio ricevuto. Ciò contribuisce a garantire maggiore visibilità ai servizi migliori.</a:t>
+              <a:t>to a page </a:t>
+            </a:r>
+            <a:r>
+              <a:rPr lang="it-IT" dirty="0" err="1"/>
+              <a:t>which</a:t>
+            </a:r>
+            <a:r>
+              <a:rPr lang="it-IT" dirty="0"/>
+              <a:t> prompts </a:t>
+            </a:r>
+            <a:r>
+              <a:rPr lang="it-IT" dirty="0" err="1"/>
+              <a:t>him</a:t>
+            </a:r>
+            <a:r>
+              <a:rPr lang="it-IT" dirty="0"/>
+              <a:t> to review the </a:t>
+            </a:r>
+            <a:r>
+              <a:rPr lang="it-IT" dirty="0" err="1"/>
+              <a:t>experience</a:t>
+            </a:r>
+            <a:r>
+              <a:rPr lang="it-IT" dirty="0"/>
+              <a:t> </a:t>
+            </a:r>
+            <a:r>
+              <a:rPr lang="it-IT" dirty="0" err="1"/>
+              <a:t>received</a:t>
+            </a:r>
+            <a:r>
+              <a:rPr lang="it-IT" dirty="0"/>
+              <a:t>. </a:t>
+            </a:r>
+            <a:r>
+              <a:rPr lang="it-IT" dirty="0" err="1"/>
+              <a:t>This</a:t>
+            </a:r>
+            <a:r>
+              <a:rPr lang="it-IT" dirty="0"/>
+              <a:t> </a:t>
+            </a:r>
+            <a:r>
+              <a:rPr lang="it-IT" dirty="0" err="1"/>
+              <a:t>contributes</a:t>
+            </a:r>
+            <a:r>
+              <a:rPr lang="it-IT" dirty="0"/>
+              <a:t> to </a:t>
+            </a:r>
+            <a:r>
+              <a:rPr lang="it-IT" dirty="0" err="1"/>
+              <a:t>grant</a:t>
+            </a:r>
+            <a:r>
+              <a:rPr lang="it-IT" dirty="0"/>
+              <a:t> more </a:t>
+            </a:r>
+            <a:r>
+              <a:rPr lang="it-IT" dirty="0" err="1"/>
+              <a:t>visibility</a:t>
+            </a:r>
+            <a:r>
+              <a:rPr lang="it-IT" dirty="0"/>
+              <a:t> to the best businesses.</a:t>
             </a:r>
           </a:p>
         </p:txBody>
@@ -28377,8 +28855,17 @@
               <a:rPr lang="it-IT" dirty="0">
                 <a:latin typeface="Arial Black" panose="020B0A04020102020204" pitchFamily="34" charset="0"/>
               </a:rPr>
-              <a:t>inQueue – Le tecnologie</a:t>
-            </a:r>
+              <a:t>inQueue – The </a:t>
+            </a:r>
+            <a:r>
+              <a:rPr lang="it-IT" dirty="0" err="1">
+                <a:latin typeface="Arial Black" panose="020B0A04020102020204" pitchFamily="34" charset="0"/>
+              </a:rPr>
+              <a:t>tecnologies</a:t>
+            </a:r>
+            <a:endParaRPr lang="it-IT" dirty="0">
+              <a:latin typeface="Arial Black" panose="020B0A04020102020204" pitchFamily="34" charset="0"/>
+            </a:endParaRPr>
           </a:p>
         </p:txBody>
       </p:sp>
@@ -28415,15 +28902,23 @@
             </a:pPr>
             <a:r>
               <a:rPr lang="it-IT" dirty="0"/>
-              <a:t>Tra le </a:t>
-            </a:r>
-            <a:r>
-              <a:rPr lang="it-IT" b="1" dirty="0"/>
-              <a:t>tecnologie </a:t>
+              <a:t>Some of the </a:t>
+            </a:r>
+            <a:r>
+              <a:rPr lang="it-IT" b="1" dirty="0" err="1"/>
+              <a:t>technologies</a:t>
             </a:r>
             <a:r>
               <a:rPr lang="it-IT" dirty="0"/>
-              <a:t>utilizzate nel progetto: </a:t>
+              <a:t> </a:t>
+            </a:r>
+            <a:r>
+              <a:rPr lang="it-IT" dirty="0" err="1"/>
+              <a:t>used</a:t>
+            </a:r>
+            <a:r>
+              <a:rPr lang="it-IT" dirty="0"/>
+              <a:t> in the project: </a:t>
             </a:r>
           </a:p>
           <a:p>
@@ -28751,8 +29246,20 @@
               <a:t> </a:t>
             </a:r>
             <a:r>
+              <a:rPr lang="it-IT" dirty="0" err="1"/>
+              <a:t>is</a:t>
+            </a:r>
+            <a:r>
               <a:rPr lang="it-IT" dirty="0"/>
-              <a:t>è un micro-framework basato su </a:t>
+              <a:t> a micro-framework </a:t>
+            </a:r>
+            <a:r>
+              <a:rPr lang="it-IT" dirty="0" err="1"/>
+              <a:t>based</a:t>
+            </a:r>
+            <a:r>
+              <a:rPr lang="it-IT" dirty="0"/>
+              <a:t> on </a:t>
             </a:r>
             <a:r>
               <a:rPr lang="it-IT" dirty="0" err="1"/>
@@ -28760,7 +29267,47 @@
             </a:r>
             <a:r>
               <a:rPr lang="it-IT" dirty="0"/>
-              <a:t> e Jinja2. Fornisce diversi strumenti utili alla costruzione della logica applicativa.</a:t>
+              <a:t> and Jinja2. </a:t>
+            </a:r>
+            <a:r>
+              <a:rPr lang="it-IT" dirty="0" err="1"/>
+              <a:t>They</a:t>
+            </a:r>
+            <a:r>
+              <a:rPr lang="it-IT" dirty="0"/>
+              <a:t> </a:t>
+            </a:r>
+            <a:r>
+              <a:rPr lang="it-IT" dirty="0" err="1"/>
+              <a:t>provide</a:t>
+            </a:r>
+            <a:r>
+              <a:rPr lang="it-IT" dirty="0"/>
+              <a:t> </a:t>
+            </a:r>
+            <a:r>
+              <a:rPr lang="it-IT" dirty="0" err="1"/>
+              <a:t>various</a:t>
+            </a:r>
+            <a:r>
+              <a:rPr lang="it-IT" dirty="0"/>
+              <a:t> tools </a:t>
+            </a:r>
+            <a:r>
+              <a:rPr lang="it-IT" dirty="0" err="1"/>
+              <a:t>useful</a:t>
+            </a:r>
+            <a:r>
+              <a:rPr lang="it-IT" dirty="0"/>
+              <a:t> to the </a:t>
+            </a:r>
+            <a:r>
+              <a:rPr lang="it-IT" dirty="0" err="1"/>
+              <a:t>construction</a:t>
+            </a:r>
+            <a:r>
+              <a:rPr lang="it-IT" dirty="0"/>
+              <a:t> of a web app.</a:t>
             </a:r>
           </a:p>
           <a:p>
@@ -28776,8 +29323,84 @@
               <a:t> </a:t>
             </a:r>
             <a:r>
+              <a:rPr lang="it-IT" dirty="0" err="1"/>
+              <a:t>is</a:t>
+            </a:r>
+            <a:r>
               <a:rPr lang="it-IT" dirty="0"/>
-              <a:t>è l’interfaccia, il server che esegue il codice Python. Rappresenta uno standard che fornisce flessibilità e scalabilità.</a:t>
+              <a:t> the </a:t>
+            </a:r>
+            <a:r>
+              <a:rPr lang="it-IT" dirty="0" err="1"/>
+              <a:t>interface</a:t>
+            </a:r>
+            <a:r>
+              <a:rPr lang="it-IT" dirty="0"/>
+              <a:t>, the server </a:t>
+            </a:r>
+            <a:r>
+              <a:rPr lang="it-IT" dirty="0" err="1"/>
+              <a:t>which</a:t>
+            </a:r>
+            <a:r>
+              <a:rPr lang="it-IT" dirty="0"/>
+              <a:t> </a:t>
+            </a:r>
+            <a:r>
+              <a:rPr lang="it-IT" dirty="0" err="1"/>
+              <a:t>executes</a:t>
+            </a:r>
+            <a:r>
+              <a:rPr lang="it-IT" dirty="0"/>
+              <a:t> the Python code. </a:t>
+            </a:r>
+            <a:r>
+              <a:rPr lang="it-IT" dirty="0" err="1"/>
+              <a:t>It</a:t>
+            </a:r>
+            <a:r>
+              <a:rPr lang="it-IT" dirty="0"/>
+              <a:t> </a:t>
+            </a:r>
+            <a:r>
+              <a:rPr lang="it-IT" dirty="0" err="1"/>
+              <a:t>represents</a:t>
+            </a:r>
+            <a:r>
+              <a:rPr lang="it-IT" dirty="0"/>
+              <a:t> a standard </a:t>
+            </a:r>
+            <a:r>
+              <a:rPr lang="it-IT" dirty="0" err="1"/>
+              <a:t>which</a:t>
+            </a:r>
+            <a:r>
+              <a:rPr lang="it-IT" dirty="0"/>
+              <a:t> </a:t>
+            </a:r>
+            <a:r>
+              <a:rPr lang="it-IT" dirty="0" err="1"/>
+              <a:t>grants</a:t>
+            </a:r>
+            <a:r>
+              <a:rPr lang="it-IT" dirty="0"/>
+              <a:t> </a:t>
+            </a:r>
+            <a:r>
+              <a:rPr lang="it-IT" dirty="0" err="1"/>
+              <a:t>flexibility</a:t>
+            </a:r>
+            <a:r>
+              <a:rPr lang="it-IT" dirty="0"/>
+              <a:t> and </a:t>
+            </a:r>
+            <a:r>
+              <a:rPr lang="it-IT" dirty="0" err="1"/>
+              <a:t>scalability</a:t>
+            </a:r>
+            <a:r>
+              <a:rPr lang="it-IT" dirty="0"/>
+              <a:t>.</a:t>
             </a:r>
           </a:p>
           <a:p>
@@ -28790,7 +29413,55 @@
             </a:r>
             <a:r>
               <a:rPr lang="it-IT" dirty="0"/>
-              <a:t>, infine, è un web server, lo strumento che permette di gestire le richieste multiple in modo efficiente.</a:t>
+              <a:t>, </a:t>
+            </a:r>
+            <a:r>
+              <a:rPr lang="it-IT" dirty="0" err="1"/>
+              <a:t>it’s</a:t>
+            </a:r>
+            <a:r>
+              <a:rPr lang="it-IT" dirty="0"/>
+              <a:t> web server, a tool </a:t>
+            </a:r>
+            <a:r>
+              <a:rPr lang="it-IT" dirty="0" err="1"/>
+              <a:t>which</a:t>
+            </a:r>
+            <a:r>
+              <a:rPr lang="it-IT" dirty="0"/>
+              <a:t> </a:t>
+            </a:r>
+            <a:r>
+              <a:rPr lang="it-IT" dirty="0" err="1"/>
+              <a:t>allows</a:t>
+            </a:r>
+            <a:r>
+              <a:rPr lang="it-IT" dirty="0"/>
+              <a:t> to </a:t>
+            </a:r>
+            <a:r>
+              <a:rPr lang="it-IT" dirty="0" err="1"/>
+              <a:t>manage</a:t>
+            </a:r>
+            <a:r>
+              <a:rPr lang="it-IT" dirty="0"/>
+              <a:t> multiple </a:t>
+            </a:r>
+            <a:r>
+              <a:rPr lang="it-IT" dirty="0" err="1"/>
+              <a:t>requests</a:t>
+            </a:r>
+            <a:r>
+              <a:rPr lang="it-IT" dirty="0"/>
+              <a:t> in an </a:t>
+            </a:r>
+            <a:r>
+              <a:rPr lang="it-IT" dirty="0" err="1"/>
+              <a:t>efficient</a:t>
+            </a:r>
+            <a:r>
+              <a:rPr lang="it-IT" dirty="0"/>
+              <a:t> way.</a:t>
             </a:r>
           </a:p>
           <a:p>
@@ -28948,7 +29619,31 @@
             </a:pPr>
             <a:r>
               <a:rPr lang="it-IT" dirty="0"/>
-              <a:t>I tre strumenti rappresentano tre livelli di comunicazione. Mediante uno script </a:t>
+              <a:t>The 3 tools </a:t>
+            </a:r>
+            <a:r>
+              <a:rPr lang="it-IT" dirty="0" err="1"/>
+              <a:t>represent</a:t>
+            </a:r>
+            <a:r>
+              <a:rPr lang="it-IT" dirty="0"/>
+              <a:t> 3 </a:t>
+            </a:r>
+            <a:r>
+              <a:rPr lang="it-IT" dirty="0" err="1"/>
+              <a:t>levels</a:t>
+            </a:r>
+            <a:r>
+              <a:rPr lang="it-IT" dirty="0"/>
+              <a:t> of </a:t>
+            </a:r>
+            <a:r>
+              <a:rPr lang="it-IT" dirty="0" err="1"/>
+              <a:t>comunication</a:t>
+            </a:r>
+            <a:r>
+              <a:rPr lang="it-IT" dirty="0"/>
+              <a:t>. Via a </a:t>
             </a:r>
             <a:r>
               <a:rPr lang="it-IT" b="1" dirty="0"/>
@@ -28956,11 +29651,19 @@
             </a:r>
             <a:r>
               <a:rPr lang="it-IT" dirty="0"/>
-              <a:t> vengono create due immagini </a:t>
+              <a:t> script, 2 </a:t>
             </a:r>
             <a:r>
               <a:rPr lang="it-IT" b="1" dirty="0"/>
-              <a:t>Docker</a:t>
+              <a:t>Docker </a:t>
+            </a:r>
+            <a:r>
+              <a:rPr lang="it-IT" dirty="0"/>
+              <a:t>images are </a:t>
+            </a:r>
+            <a:r>
+              <a:rPr lang="it-IT" dirty="0" err="1"/>
+              <a:t>created</a:t>
             </a:r>
             <a:r>
               <a:rPr lang="it-IT" dirty="0"/>
@@ -28972,7 +29675,119 @@
             </a:r>
             <a:r>
               <a:rPr lang="it-IT" dirty="0"/>
-              <a:t>dalle quali vengono avviati due containers; ciò avviene in linea con la buona norma di isolare ogni processo nel proprio container, mettendo però assieme </a:t>
+              <a:t>from </a:t>
+            </a:r>
+            <a:r>
+              <a:rPr lang="it-IT" dirty="0" err="1"/>
+              <a:t>which</a:t>
+            </a:r>
+            <a:r>
+              <a:rPr lang="it-IT" dirty="0"/>
+              <a:t> 2 containers are </a:t>
+            </a:r>
+            <a:r>
+              <a:rPr lang="it-IT" dirty="0" err="1"/>
+              <a:t>executed</a:t>
+            </a:r>
+            <a:r>
+              <a:rPr lang="it-IT" dirty="0"/>
+              <a:t>; </a:t>
+            </a:r>
+            <a:r>
+              <a:rPr lang="it-IT" dirty="0" err="1"/>
+              <a:t>this</a:t>
+            </a:r>
+            <a:r>
+              <a:rPr lang="it-IT" dirty="0"/>
+              <a:t> </a:t>
+            </a:r>
+            <a:r>
+              <a:rPr lang="it-IT" dirty="0" err="1"/>
+              <a:t>is</a:t>
+            </a:r>
+            <a:r>
+              <a:rPr lang="it-IT" dirty="0"/>
+              <a:t> </a:t>
+            </a:r>
+            <a:r>
+              <a:rPr lang="it-IT" dirty="0" err="1"/>
+              <a:t>done</a:t>
+            </a:r>
+            <a:r>
+              <a:rPr lang="it-IT" dirty="0"/>
+              <a:t> </a:t>
+            </a:r>
+            <a:r>
+              <a:rPr lang="it-IT" dirty="0" err="1"/>
+              <a:t>considering</a:t>
+            </a:r>
+            <a:r>
+              <a:rPr lang="it-IT" dirty="0"/>
+              <a:t> the good </a:t>
+            </a:r>
+            <a:r>
+              <a:rPr lang="it-IT" dirty="0" err="1"/>
+              <a:t>habit</a:t>
+            </a:r>
+            <a:r>
+              <a:rPr lang="it-IT" dirty="0"/>
+              <a:t> of </a:t>
+            </a:r>
+            <a:r>
+              <a:rPr lang="it-IT" dirty="0" err="1"/>
+              <a:t>isolating</a:t>
+            </a:r>
+            <a:r>
+              <a:rPr lang="it-IT" dirty="0"/>
+              <a:t> </a:t>
+            </a:r>
+            <a:r>
+              <a:rPr lang="it-IT" dirty="0" err="1"/>
+              <a:t>each</a:t>
+            </a:r>
+            <a:r>
+              <a:rPr lang="it-IT" dirty="0"/>
+              <a:t> </a:t>
+            </a:r>
+            <a:r>
+              <a:rPr lang="it-IT" dirty="0" err="1"/>
+              <a:t>process</a:t>
+            </a:r>
+            <a:r>
+              <a:rPr lang="it-IT" dirty="0"/>
+              <a:t> in </a:t>
+            </a:r>
+            <a:r>
+              <a:rPr lang="it-IT" dirty="0" err="1"/>
+              <a:t>it’s</a:t>
+            </a:r>
+            <a:r>
+              <a:rPr lang="it-IT" dirty="0"/>
+              <a:t> </a:t>
+            </a:r>
+            <a:r>
+              <a:rPr lang="it-IT" dirty="0" err="1"/>
+              <a:t>own</a:t>
+            </a:r>
+            <a:r>
+              <a:rPr lang="it-IT" dirty="0"/>
+              <a:t> container, </a:t>
+            </a:r>
+            <a:r>
+              <a:rPr lang="it-IT" dirty="0" err="1"/>
+              <a:t>while</a:t>
+            </a:r>
+            <a:r>
+              <a:rPr lang="it-IT" dirty="0"/>
+              <a:t> </a:t>
+            </a:r>
+            <a:r>
+              <a:rPr lang="it-IT" dirty="0" err="1"/>
+              <a:t>merging</a:t>
+            </a:r>
+            <a:r>
+              <a:rPr lang="it-IT" dirty="0"/>
+              <a:t> </a:t>
             </a:r>
             <a:r>
               <a:rPr lang="it-IT" dirty="0" err="1"/>
@@ -28980,11 +29795,19 @@
             </a:r>
             <a:r>
               <a:rPr lang="it-IT" dirty="0"/>
-              <a:t> e </a:t>
+              <a:t> and </a:t>
             </a:r>
             <a:r>
               <a:rPr lang="it-IT" dirty="0" err="1"/>
               <a:t>Nginx</a:t>
+            </a:r>
+            <a:r>
+              <a:rPr lang="it-IT" dirty="0"/>
+              <a:t> for a </a:t>
+            </a:r>
+            <a:r>
+              <a:rPr lang="it-IT" dirty="0" err="1"/>
+              <a:t>necessity</a:t>
             </a:r>
             <a:r>
               <a:rPr lang="it-IT" dirty="0"/>
